--- a/Introduction 1 zaf.pptx
+++ b/Introduction 1 zaf.pptx
@@ -8,10 +8,11 @@
     <p:sldId id="258" r:id="rId2"/>
     <p:sldId id="259" r:id="rId3"/>
     <p:sldId id="264" r:id="rId4"/>
-    <p:sldId id="260" r:id="rId5"/>
-    <p:sldId id="263" r:id="rId6"/>
-    <p:sldId id="261" r:id="rId7"/>
-    <p:sldId id="262" r:id="rId8"/>
+    <p:sldId id="265" r:id="rId5"/>
+    <p:sldId id="260" r:id="rId6"/>
+    <p:sldId id="263" r:id="rId7"/>
+    <p:sldId id="261" r:id="rId8"/>
+    <p:sldId id="262" r:id="rId9"/>
   </p:sldIdLst>
   <p:sldSz cx="12192000" cy="6858000"/>
   <p:notesSz cx="6858000" cy="9144000"/>
@@ -110,6 +111,11 @@
       </a:defRPr>
     </a:lvl9pPr>
   </p:defaultTextStyle>
+  <p:extLst>
+    <p:ext uri="{EFAFB233-063F-42B5-8137-9DF3F51BA10A}">
+      <p15:sldGuideLst xmlns:p15="http://schemas.microsoft.com/office/powerpoint/2012/main"/>
+    </p:ext>
+  </p:extLst>
 </p:presentation>
 </file>
 
@@ -260,7 +266,7 @@
           <a:p>
             <a:fld id="{327B4D66-8989-46ED-9588-0E7B93E1F1F0}" type="datetimeFigureOut">
               <a:rPr lang="en-US" smtClean="0"/>
-              <a:t>12/11/2022</a:t>
+              <a:t>12/12/2022</a:t>
             </a:fld>
             <a:endParaRPr lang="en-US"/>
           </a:p>
@@ -458,7 +464,7 @@
           <a:p>
             <a:fld id="{327B4D66-8989-46ED-9588-0E7B93E1F1F0}" type="datetimeFigureOut">
               <a:rPr lang="en-US" smtClean="0"/>
-              <a:t>12/11/2022</a:t>
+              <a:t>12/12/2022</a:t>
             </a:fld>
             <a:endParaRPr lang="en-US"/>
           </a:p>
@@ -666,7 +672,7 @@
           <a:p>
             <a:fld id="{327B4D66-8989-46ED-9588-0E7B93E1F1F0}" type="datetimeFigureOut">
               <a:rPr lang="en-US" smtClean="0"/>
-              <a:t>12/11/2022</a:t>
+              <a:t>12/12/2022</a:t>
             </a:fld>
             <a:endParaRPr lang="en-US"/>
           </a:p>
@@ -864,7 +870,7 @@
           <a:p>
             <a:fld id="{327B4D66-8989-46ED-9588-0E7B93E1F1F0}" type="datetimeFigureOut">
               <a:rPr lang="en-US" smtClean="0"/>
-              <a:t>12/11/2022</a:t>
+              <a:t>12/12/2022</a:t>
             </a:fld>
             <a:endParaRPr lang="en-US"/>
           </a:p>
@@ -1139,7 +1145,7 @@
           <a:p>
             <a:fld id="{327B4D66-8989-46ED-9588-0E7B93E1F1F0}" type="datetimeFigureOut">
               <a:rPr lang="en-US" smtClean="0"/>
-              <a:t>12/11/2022</a:t>
+              <a:t>12/12/2022</a:t>
             </a:fld>
             <a:endParaRPr lang="en-US"/>
           </a:p>
@@ -1404,7 +1410,7 @@
           <a:p>
             <a:fld id="{327B4D66-8989-46ED-9588-0E7B93E1F1F0}" type="datetimeFigureOut">
               <a:rPr lang="en-US" smtClean="0"/>
-              <a:t>12/11/2022</a:t>
+              <a:t>12/12/2022</a:t>
             </a:fld>
             <a:endParaRPr lang="en-US"/>
           </a:p>
@@ -1816,7 +1822,7 @@
           <a:p>
             <a:fld id="{327B4D66-8989-46ED-9588-0E7B93E1F1F0}" type="datetimeFigureOut">
               <a:rPr lang="en-US" smtClean="0"/>
-              <a:t>12/11/2022</a:t>
+              <a:t>12/12/2022</a:t>
             </a:fld>
             <a:endParaRPr lang="en-US"/>
           </a:p>
@@ -1957,7 +1963,7 @@
           <a:p>
             <a:fld id="{327B4D66-8989-46ED-9588-0E7B93E1F1F0}" type="datetimeFigureOut">
               <a:rPr lang="en-US" smtClean="0"/>
-              <a:t>12/11/2022</a:t>
+              <a:t>12/12/2022</a:t>
             </a:fld>
             <a:endParaRPr lang="en-US"/>
           </a:p>
@@ -2070,7 +2076,7 @@
           <a:p>
             <a:fld id="{327B4D66-8989-46ED-9588-0E7B93E1F1F0}" type="datetimeFigureOut">
               <a:rPr lang="en-US" smtClean="0"/>
-              <a:t>12/11/2022</a:t>
+              <a:t>12/12/2022</a:t>
             </a:fld>
             <a:endParaRPr lang="en-US"/>
           </a:p>
@@ -2381,7 +2387,7 @@
           <a:p>
             <a:fld id="{327B4D66-8989-46ED-9588-0E7B93E1F1F0}" type="datetimeFigureOut">
               <a:rPr lang="en-US" smtClean="0"/>
-              <a:t>12/11/2022</a:t>
+              <a:t>12/12/2022</a:t>
             </a:fld>
             <a:endParaRPr lang="en-US"/>
           </a:p>
@@ -2669,7 +2675,7 @@
           <a:p>
             <a:fld id="{327B4D66-8989-46ED-9588-0E7B93E1F1F0}" type="datetimeFigureOut">
               <a:rPr lang="en-US" smtClean="0"/>
-              <a:t>12/11/2022</a:t>
+              <a:t>12/12/2022</a:t>
             </a:fld>
             <a:endParaRPr lang="en-US"/>
           </a:p>
@@ -2910,7 +2916,7 @@
           <a:p>
             <a:fld id="{327B4D66-8989-46ED-9588-0E7B93E1F1F0}" type="datetimeFigureOut">
               <a:rPr lang="en-US" smtClean="0"/>
-              <a:t>12/11/2022</a:t>
+              <a:t>12/12/2022</a:t>
             </a:fld>
             <a:endParaRPr lang="en-US"/>
           </a:p>
@@ -3535,55 +3541,62 @@
             <p:ph type="title"/>
           </p:nvPr>
         </p:nvSpPr>
-        <p:spPr/>
-        <p:txBody>
-          <a:bodyPr/>
-          <a:lstStyle/>
-          <a:p>
-            <a:r>
-              <a:rPr lang="en-MY" dirty="0"/>
-              <a:t>Design 2 </a:t>
-            </a:r>
-            <a:r>
-              <a:rPr lang="en-MY" dirty="0" err="1"/>
-              <a:t>kimi</a:t>
-            </a:r>
-            <a:endParaRPr lang="en-US" dirty="0"/>
-          </a:p>
-        </p:txBody>
-      </p:sp>
-      <p:sp>
-        <p:nvSpPr>
-          <p:cNvPr id="3" name="Content Placeholder 2">
-            <a:extLst>
-              <a:ext uri="{FF2B5EF4-FFF2-40B4-BE49-F238E27FC236}">
-                <a16:creationId xmlns:a16="http://schemas.microsoft.com/office/drawing/2014/main" id="{A369B6FB-EC11-F9AA-AF4D-CB1B083580BB}"/>
-              </a:ext>
-            </a:extLst>
-          </p:cNvPr>
-          <p:cNvSpPr>
-            <a:spLocks noGrp="1"/>
-          </p:cNvSpPr>
+        <p:spPr>
+          <a:xfrm>
+            <a:off x="838200" y="144546"/>
+            <a:ext cx="10515600" cy="1325563"/>
+          </a:xfrm>
+        </p:spPr>
+        <p:txBody>
+          <a:bodyPr>
+            <a:normAutofit/>
+          </a:bodyPr>
+          <a:lstStyle/>
+          <a:p>
+            <a:r>
+              <a:rPr lang="en-MY" sz="3600" dirty="0"/>
+              <a:t>Design  (TAPAAL)</a:t>
+            </a:r>
+            <a:endParaRPr lang="en-US" sz="3600" dirty="0"/>
+          </a:p>
+        </p:txBody>
+      </p:sp>
+      <p:pic>
+        <p:nvPicPr>
+          <p:cNvPr id="4" name="TAPAAL 3.9.2_ System.tapn 2022-12-12 21-18-33_Trim">
+            <a:hlinkClick r:id="" action="ppaction://media"/>
+            <a:extLst>
+              <a:ext uri="{FF2B5EF4-FFF2-40B4-BE49-F238E27FC236}">
+                <a16:creationId xmlns:a16="http://schemas.microsoft.com/office/drawing/2014/main" id="{4EFB973B-FB6A-2A63-1B48-C688AA6B6247}"/>
+              </a:ext>
+            </a:extLst>
+          </p:cNvPr>
+          <p:cNvPicPr>
+            <a:picLocks noGrp="1" noChangeAspect="1"/>
+          </p:cNvPicPr>
           <p:nvPr>
             <p:ph idx="1"/>
-          </p:nvPr>
-        </p:nvSpPr>
-        <p:spPr/>
-        <p:txBody>
-          <a:bodyPr/>
-          <a:lstStyle/>
-          <a:p>
-            <a:r>
-              <a:rPr lang="en-MY" dirty="0" err="1"/>
-              <a:t>Tappal</a:t>
-            </a:r>
-            <a:endParaRPr lang="en-MY" dirty="0"/>
-          </a:p>
-          <a:p>
-            <a:endParaRPr lang="en-US" dirty="0"/>
-          </a:p>
-        </p:txBody>
-      </p:sp>
+            <a:videoFile r:link="rId2"/>
+            <p:extLst>
+              <p:ext uri="{DAA4B4D4-6D71-4841-9C94-3DE7FCFB9230}">
+                <p14:media xmlns:p14="http://schemas.microsoft.com/office/powerpoint/2010/main" r:embed="rId1"/>
+              </p:ext>
+            </p:extLst>
+          </p:nvPr>
+        </p:nvPicPr>
+        <p:blipFill>
+          <a:blip r:embed="rId4"/>
+          <a:stretch>
+            <a:fillRect/>
+          </a:stretch>
+        </p:blipFill>
+        <p:spPr>
+          <a:xfrm>
+            <a:off x="736671" y="1187116"/>
+            <a:ext cx="10147564" cy="5422983"/>
+          </a:xfrm>
+        </p:spPr>
+      </p:pic>
     </p:spTree>
     <p:extLst>
       <p:ext uri="{BB962C8B-B14F-4D97-AF65-F5344CB8AC3E}">
@@ -3594,6 +3607,141 @@
   <p:clrMapOvr>
     <a:masterClrMapping/>
   </p:clrMapOvr>
+  <p:timing>
+    <p:tnLst>
+      <p:par>
+        <p:cTn id="1" dur="indefinite" restart="never" nodeType="tmRoot">
+          <p:childTnLst>
+            <p:seq concurrent="1" nextAc="seek">
+              <p:cTn id="2" dur="indefinite" nodeType="mainSeq">
+                <p:childTnLst>
+                  <p:par>
+                    <p:cTn id="3" fill="hold">
+                      <p:stCondLst>
+                        <p:cond delay="indefinite"/>
+                      </p:stCondLst>
+                      <p:childTnLst>
+                        <p:par>
+                          <p:cTn id="4" fill="hold">
+                            <p:stCondLst>
+                              <p:cond delay="0"/>
+                            </p:stCondLst>
+                            <p:childTnLst>
+                              <p:par>
+                                <p:cTn id="5" presetID="1" presetClass="mediacall" presetSubtype="0" fill="hold" nodeType="clickEffect">
+                                  <p:stCondLst>
+                                    <p:cond delay="0"/>
+                                  </p:stCondLst>
+                                  <p:childTnLst>
+                                    <p:cmd type="call" cmd="playFrom(0.0)">
+                                      <p:cBhvr>
+                                        <p:cTn id="6" dur="13833" fill="hold"/>
+                                        <p:tgtEl>
+                                          <p:spTgt spid="4"/>
+                                        </p:tgtEl>
+                                      </p:cBhvr>
+                                    </p:cmd>
+                                  </p:childTnLst>
+                                </p:cTn>
+                              </p:par>
+                            </p:childTnLst>
+                          </p:cTn>
+                        </p:par>
+                      </p:childTnLst>
+                    </p:cTn>
+                  </p:par>
+                </p:childTnLst>
+              </p:cTn>
+              <p:prevCondLst>
+                <p:cond evt="onPrev" delay="0">
+                  <p:tgtEl>
+                    <p:sldTgt/>
+                  </p:tgtEl>
+                </p:cond>
+              </p:prevCondLst>
+              <p:nextCondLst>
+                <p:cond evt="onNext" delay="0">
+                  <p:tgtEl>
+                    <p:sldTgt/>
+                  </p:tgtEl>
+                </p:cond>
+              </p:nextCondLst>
+            </p:seq>
+            <p:video>
+              <p:cMediaNode vol="80000" mute="1">
+                <p:cTn id="7" fill="hold" display="0">
+                  <p:stCondLst>
+                    <p:cond delay="indefinite"/>
+                  </p:stCondLst>
+                </p:cTn>
+                <p:tgtEl>
+                  <p:spTgt spid="4"/>
+                </p:tgtEl>
+              </p:cMediaNode>
+            </p:video>
+            <p:seq concurrent="1" nextAc="seek">
+              <p:cTn id="8" restart="whenNotActive" fill="hold" evtFilter="cancelBubble" nodeType="interactiveSeq">
+                <p:stCondLst>
+                  <p:cond evt="onClick" delay="0">
+                    <p:tgtEl>
+                      <p:spTgt spid="4"/>
+                    </p:tgtEl>
+                  </p:cond>
+                </p:stCondLst>
+                <p:endSync evt="end" delay="0">
+                  <p:rtn val="all"/>
+                </p:endSync>
+                <p:childTnLst>
+                  <p:par>
+                    <p:cTn id="9" fill="hold">
+                      <p:stCondLst>
+                        <p:cond delay="0"/>
+                      </p:stCondLst>
+                      <p:childTnLst>
+                        <p:par>
+                          <p:cTn id="10" fill="hold">
+                            <p:stCondLst>
+                              <p:cond delay="0"/>
+                            </p:stCondLst>
+                            <p:childTnLst>
+                              <p:par>
+                                <p:cTn id="11" presetID="2" presetClass="mediacall" presetSubtype="0" fill="hold" nodeType="clickEffect">
+                                  <p:stCondLst>
+                                    <p:cond delay="0"/>
+                                  </p:stCondLst>
+                                  <p:childTnLst>
+                                    <p:cmd type="call" cmd="togglePause">
+                                      <p:cBhvr>
+                                        <p:cTn id="12" dur="1" fill="hold"/>
+                                        <p:tgtEl>
+                                          <p:spTgt spid="4"/>
+                                        </p:tgtEl>
+                                      </p:cBhvr>
+                                    </p:cmd>
+                                  </p:childTnLst>
+                                </p:cTn>
+                              </p:par>
+                            </p:childTnLst>
+                          </p:cTn>
+                        </p:par>
+                      </p:childTnLst>
+                    </p:cTn>
+                  </p:par>
+                </p:childTnLst>
+              </p:cTn>
+              <p:nextCondLst>
+                <p:cond evt="onClick" delay="0">
+                  <p:tgtEl>
+                    <p:spTgt spid="4"/>
+                  </p:tgtEl>
+                </p:cond>
+              </p:nextCondLst>
+            </p:seq>
+          </p:childTnLst>
+        </p:cTn>
+      </p:par>
+    </p:tnLst>
+  </p:timing>
 </p:sld>
 </file>
 
@@ -3636,57 +3784,115 @@
           <a:lstStyle/>
           <a:p>
             <a:r>
-              <a:rPr lang="en-MY" dirty="0"/>
-              <a:t>Implementation 2 sheikh</a:t>
-            </a:r>
+              <a:rPr lang="en-US" dirty="0"/>
+              <a:t>Design (Verification)</a:t>
+            </a:r>
+          </a:p>
+        </p:txBody>
+      </p:sp>
+      <p:sp>
+        <p:nvSpPr>
+          <p:cNvPr id="3" name="Content Placeholder 2">
+            <a:extLst>
+              <a:ext uri="{FF2B5EF4-FFF2-40B4-BE49-F238E27FC236}">
+                <a16:creationId xmlns:a16="http://schemas.microsoft.com/office/drawing/2014/main" id="{B98DEE9F-5D34-2206-F30D-4751ED8E71A1}"/>
+              </a:ext>
+            </a:extLst>
+          </p:cNvPr>
+          <p:cNvSpPr>
+            <a:spLocks noGrp="1"/>
+          </p:cNvSpPr>
+          <p:nvPr>
+            <p:ph idx="1"/>
+          </p:nvPr>
+        </p:nvSpPr>
+        <p:spPr/>
+        <p:txBody>
+          <a:bodyPr/>
+          <a:lstStyle/>
+          <a:p>
+            <a:endParaRPr lang="en-MY" dirty="0"/>
+          </a:p>
+          <a:p>
             <a:endParaRPr lang="en-US" dirty="0"/>
           </a:p>
         </p:txBody>
       </p:sp>
-      <p:sp>
-        <p:nvSpPr>
-          <p:cNvPr id="3" name="Content Placeholder 2">
-            <a:extLst>
-              <a:ext uri="{FF2B5EF4-FFF2-40B4-BE49-F238E27FC236}">
-                <a16:creationId xmlns:a16="http://schemas.microsoft.com/office/drawing/2014/main" id="{B98DEE9F-5D34-2206-F30D-4751ED8E71A1}"/>
-              </a:ext>
-            </a:extLst>
-          </p:cNvPr>
-          <p:cNvSpPr>
-            <a:spLocks noGrp="1"/>
-          </p:cNvSpPr>
-          <p:nvPr>
-            <p:ph idx="1"/>
-          </p:nvPr>
-        </p:nvSpPr>
-        <p:spPr/>
-        <p:txBody>
-          <a:bodyPr/>
-          <a:lstStyle/>
-          <a:p>
-            <a:r>
-              <a:rPr lang="en-MY" dirty="0"/>
-              <a:t>Data</a:t>
-            </a:r>
-          </a:p>
-          <a:p>
-            <a:r>
-              <a:rPr lang="en-MY" dirty="0"/>
-              <a:t>Model( include comparison)</a:t>
-            </a:r>
-          </a:p>
-          <a:p>
-            <a:endParaRPr lang="en-MY" dirty="0"/>
-          </a:p>
-          <a:p>
-            <a:endParaRPr lang="en-US" dirty="0"/>
-          </a:p>
-        </p:txBody>
-      </p:sp>
+      <p:pic>
+        <p:nvPicPr>
+          <p:cNvPr id="6" name="Picture 5" descr="Graphical user interface, application&#10;&#10;Description automatically generated">
+            <a:extLst>
+              <a:ext uri="{FF2B5EF4-FFF2-40B4-BE49-F238E27FC236}">
+                <a16:creationId xmlns:a16="http://schemas.microsoft.com/office/drawing/2014/main" id="{690988E7-808E-B8DF-2480-C9A31D41E50A}"/>
+              </a:ext>
+            </a:extLst>
+          </p:cNvPr>
+          <p:cNvPicPr>
+            <a:picLocks noChangeAspect="1"/>
+          </p:cNvPicPr>
+          <p:nvPr/>
+        </p:nvPicPr>
+        <p:blipFill rotWithShape="1">
+          <a:blip r:embed="rId2">
+            <a:extLst>
+              <a:ext uri="{28A0092B-C50C-407E-A947-70E740481C1C}">
+                <a14:useLocalDpi xmlns:a14="http://schemas.microsoft.com/office/drawing/2010/main" val="0"/>
+              </a:ext>
+            </a:extLst>
+          </a:blip>
+          <a:srcRect b="14032"/>
+          <a:stretch/>
+        </p:blipFill>
+        <p:spPr>
+          <a:xfrm>
+            <a:off x="669592" y="1825625"/>
+            <a:ext cx="5249234" cy="1935577"/>
+          </a:xfrm>
+          <a:prstGeom prst="rect">
+            <a:avLst/>
+          </a:prstGeom>
+        </p:spPr>
+      </p:pic>
+      <p:pic>
+        <p:nvPicPr>
+          <p:cNvPr id="8" name="Picture 7" descr="Graphical user interface, application&#10;&#10;Description automatically generated">
+            <a:extLst>
+              <a:ext uri="{FF2B5EF4-FFF2-40B4-BE49-F238E27FC236}">
+                <a16:creationId xmlns:a16="http://schemas.microsoft.com/office/drawing/2014/main" id="{72A7F900-C5AA-0DC8-9722-9E4D6053F73F}"/>
+              </a:ext>
+            </a:extLst>
+          </p:cNvPr>
+          <p:cNvPicPr>
+            <a:picLocks noChangeAspect="1"/>
+          </p:cNvPicPr>
+          <p:nvPr/>
+        </p:nvPicPr>
+        <p:blipFill>
+          <a:blip r:embed="rId3">
+            <a:extLst>
+              <a:ext uri="{28A0092B-C50C-407E-A947-70E740481C1C}">
+                <a14:useLocalDpi xmlns:a14="http://schemas.microsoft.com/office/drawing/2010/main" val="0"/>
+              </a:ext>
+            </a:extLst>
+          </a:blip>
+          <a:stretch>
+            <a:fillRect/>
+          </a:stretch>
+        </p:blipFill>
+        <p:spPr>
+          <a:xfrm>
+            <a:off x="5115998" y="3684535"/>
+            <a:ext cx="6406410" cy="2569096"/>
+          </a:xfrm>
+          <a:prstGeom prst="rect">
+            <a:avLst/>
+          </a:prstGeom>
+        </p:spPr>
+      </p:pic>
     </p:spTree>
     <p:extLst>
       <p:ext uri="{BB962C8B-B14F-4D97-AF65-F5344CB8AC3E}">
-        <p14:creationId xmlns:p14="http://schemas.microsoft.com/office/powerpoint/2010/main" val="2366847609"/>
+        <p14:creationId xmlns:p14="http://schemas.microsoft.com/office/powerpoint/2010/main" val="2156021614"/>
       </p:ext>
     </p:extLst>
   </p:cSld>
@@ -3718,7 +3924,7 @@
           <p:cNvPr id="2" name="Title 1">
             <a:extLst>
               <a:ext uri="{FF2B5EF4-FFF2-40B4-BE49-F238E27FC236}">
-                <a16:creationId xmlns:a16="http://schemas.microsoft.com/office/drawing/2014/main" id="{8E061CEC-822C-E94C-ED8D-83685E2FFEB3}"/>
+                <a16:creationId xmlns:a16="http://schemas.microsoft.com/office/drawing/2014/main" id="{B0691122-3E61-B8B3-9A9C-80792D9C530B}"/>
               </a:ext>
             </a:extLst>
           </p:cNvPr>
@@ -3736,51 +3942,46 @@
           <a:p>
             <a:r>
               <a:rPr lang="en-MY" dirty="0"/>
-              <a:t>Implementation 2 </a:t>
-            </a:r>
-            <a:r>
-              <a:rPr lang="en-MY" dirty="0" err="1"/>
-              <a:t>ammar</a:t>
-            </a:r>
+              <a:t>Implementation 2 sheikh</a:t>
+            </a:r>
+            <a:endParaRPr lang="en-US" dirty="0"/>
+          </a:p>
+        </p:txBody>
+      </p:sp>
+      <p:sp>
+        <p:nvSpPr>
+          <p:cNvPr id="3" name="Content Placeholder 2">
+            <a:extLst>
+              <a:ext uri="{FF2B5EF4-FFF2-40B4-BE49-F238E27FC236}">
+                <a16:creationId xmlns:a16="http://schemas.microsoft.com/office/drawing/2014/main" id="{B98DEE9F-5D34-2206-F30D-4751ED8E71A1}"/>
+              </a:ext>
+            </a:extLst>
+          </p:cNvPr>
+          <p:cNvSpPr>
+            <a:spLocks noGrp="1"/>
+          </p:cNvSpPr>
+          <p:nvPr>
+            <p:ph idx="1"/>
+          </p:nvPr>
+        </p:nvSpPr>
+        <p:spPr/>
+        <p:txBody>
+          <a:bodyPr/>
+          <a:lstStyle/>
+          <a:p>
             <a:r>
               <a:rPr lang="en-MY" dirty="0"/>
-              <a:t> </a:t>
-            </a:r>
-            <a:endParaRPr lang="en-US" dirty="0"/>
-          </a:p>
-        </p:txBody>
-      </p:sp>
-      <p:sp>
-        <p:nvSpPr>
-          <p:cNvPr id="3" name="Content Placeholder 2">
-            <a:extLst>
-              <a:ext uri="{FF2B5EF4-FFF2-40B4-BE49-F238E27FC236}">
-                <a16:creationId xmlns:a16="http://schemas.microsoft.com/office/drawing/2014/main" id="{22C75762-6C8C-DBF1-3DAE-48284CF5BB7C}"/>
-              </a:ext>
-            </a:extLst>
-          </p:cNvPr>
-          <p:cNvSpPr>
-            <a:spLocks noGrp="1"/>
-          </p:cNvSpPr>
-          <p:nvPr>
-            <p:ph idx="1"/>
-          </p:nvPr>
-        </p:nvSpPr>
-        <p:spPr/>
-        <p:txBody>
-          <a:bodyPr/>
-          <a:lstStyle/>
+              <a:t>Data</a:t>
+            </a:r>
+          </a:p>
           <a:p>
             <a:r>
               <a:rPr lang="en-MY" dirty="0"/>
-              <a:t>Create field and drone</a:t>
-            </a:r>
-          </a:p>
-          <a:p>
-            <a:r>
-              <a:rPr lang="en-MY" dirty="0"/>
-              <a:t>Works on field </a:t>
-            </a:r>
+              <a:t>Model( include comparison)</a:t>
+            </a:r>
+          </a:p>
+          <a:p>
+            <a:endParaRPr lang="en-MY" dirty="0"/>
           </a:p>
           <a:p>
             <a:endParaRPr lang="en-US" dirty="0"/>
@@ -3790,7 +3991,7 @@
     </p:spTree>
     <p:extLst>
       <p:ext uri="{BB962C8B-B14F-4D97-AF65-F5344CB8AC3E}">
-        <p14:creationId xmlns:p14="http://schemas.microsoft.com/office/powerpoint/2010/main" val="3371074697"/>
+        <p14:creationId xmlns:p14="http://schemas.microsoft.com/office/powerpoint/2010/main" val="2366847609"/>
       </p:ext>
     </p:extLst>
   </p:cSld>
@@ -3822,6 +4023,110 @@
           <p:cNvPr id="2" name="Title 1">
             <a:extLst>
               <a:ext uri="{FF2B5EF4-FFF2-40B4-BE49-F238E27FC236}">
+                <a16:creationId xmlns:a16="http://schemas.microsoft.com/office/drawing/2014/main" id="{8E061CEC-822C-E94C-ED8D-83685E2FFEB3}"/>
+              </a:ext>
+            </a:extLst>
+          </p:cNvPr>
+          <p:cNvSpPr>
+            <a:spLocks noGrp="1"/>
+          </p:cNvSpPr>
+          <p:nvPr>
+            <p:ph type="title"/>
+          </p:nvPr>
+        </p:nvSpPr>
+        <p:spPr/>
+        <p:txBody>
+          <a:bodyPr/>
+          <a:lstStyle/>
+          <a:p>
+            <a:r>
+              <a:rPr lang="en-MY" dirty="0"/>
+              <a:t>Implementation 2 </a:t>
+            </a:r>
+            <a:r>
+              <a:rPr lang="en-MY" dirty="0" err="1"/>
+              <a:t>ammar</a:t>
+            </a:r>
+            <a:r>
+              <a:rPr lang="en-MY" dirty="0"/>
+              <a:t> </a:t>
+            </a:r>
+            <a:endParaRPr lang="en-US" dirty="0"/>
+          </a:p>
+        </p:txBody>
+      </p:sp>
+      <p:sp>
+        <p:nvSpPr>
+          <p:cNvPr id="3" name="Content Placeholder 2">
+            <a:extLst>
+              <a:ext uri="{FF2B5EF4-FFF2-40B4-BE49-F238E27FC236}">
+                <a16:creationId xmlns:a16="http://schemas.microsoft.com/office/drawing/2014/main" id="{22C75762-6C8C-DBF1-3DAE-48284CF5BB7C}"/>
+              </a:ext>
+            </a:extLst>
+          </p:cNvPr>
+          <p:cNvSpPr>
+            <a:spLocks noGrp="1"/>
+          </p:cNvSpPr>
+          <p:nvPr>
+            <p:ph idx="1"/>
+          </p:nvPr>
+        </p:nvSpPr>
+        <p:spPr/>
+        <p:txBody>
+          <a:bodyPr/>
+          <a:lstStyle/>
+          <a:p>
+            <a:r>
+              <a:rPr lang="en-MY" dirty="0"/>
+              <a:t>Create field and drone</a:t>
+            </a:r>
+          </a:p>
+          <a:p>
+            <a:r>
+              <a:rPr lang="en-MY" dirty="0"/>
+              <a:t>Works on field </a:t>
+            </a:r>
+          </a:p>
+          <a:p>
+            <a:endParaRPr lang="en-US" dirty="0"/>
+          </a:p>
+        </p:txBody>
+      </p:sp>
+    </p:spTree>
+    <p:extLst>
+      <p:ext uri="{BB962C8B-B14F-4D97-AF65-F5344CB8AC3E}">
+        <p14:creationId xmlns:p14="http://schemas.microsoft.com/office/powerpoint/2010/main" val="3371074697"/>
+      </p:ext>
+    </p:extLst>
+  </p:cSld>
+  <p:clrMapOvr>
+    <a:masterClrMapping/>
+  </p:clrMapOvr>
+</p:sld>
+</file>
+
+<file path=ppt/slides/slide7.xml><?xml version="1.0" encoding="utf-8"?>
+<p:sld xmlns:a="http://schemas.openxmlformats.org/drawingml/2006/main" xmlns:r="http://schemas.openxmlformats.org/officeDocument/2006/relationships" xmlns:p="http://schemas.openxmlformats.org/presentationml/2006/main">
+  <p:cSld>
+    <p:spTree>
+      <p:nvGrpSpPr>
+        <p:cNvPr id="1" name=""/>
+        <p:cNvGrpSpPr/>
+        <p:nvPr/>
+      </p:nvGrpSpPr>
+      <p:grpSpPr>
+        <a:xfrm>
+          <a:off x="0" y="0"/>
+          <a:ext cx="0" cy="0"/>
+          <a:chOff x="0" y="0"/>
+          <a:chExt cx="0" cy="0"/>
+        </a:xfrm>
+      </p:grpSpPr>
+      <p:sp>
+        <p:nvSpPr>
+          <p:cNvPr id="2" name="Title 1">
+            <a:extLst>
+              <a:ext uri="{FF2B5EF4-FFF2-40B4-BE49-F238E27FC236}">
                 <a16:creationId xmlns:a16="http://schemas.microsoft.com/office/drawing/2014/main" id="{B40399B0-93A1-DCBF-6E53-7EDE731C41BF}"/>
               </a:ext>
             </a:extLst>
@@ -3892,7 +4197,7 @@
 </p:sld>
 </file>
 
-<file path=ppt/slides/slide7.xml><?xml version="1.0" encoding="utf-8"?>
+<file path=ppt/slides/slide8.xml><?xml version="1.0" encoding="utf-8"?>
 <p:sld xmlns:a="http://schemas.openxmlformats.org/drawingml/2006/main" xmlns:r="http://schemas.openxmlformats.org/officeDocument/2006/relationships" xmlns:p="http://schemas.openxmlformats.org/presentationml/2006/main">
   <p:cSld>
     <p:spTree>

--- a/Introduction 1 zaf.pptx
+++ b/Introduction 1 zaf.pptx
@@ -7,11 +7,12 @@
   <p:sldIdLst>
     <p:sldId id="258" r:id="rId2"/>
     <p:sldId id="259" r:id="rId3"/>
-    <p:sldId id="264" r:id="rId4"/>
-    <p:sldId id="260" r:id="rId5"/>
-    <p:sldId id="263" r:id="rId6"/>
-    <p:sldId id="261" r:id="rId7"/>
-    <p:sldId id="262" r:id="rId8"/>
+    <p:sldId id="265" r:id="rId4"/>
+    <p:sldId id="264" r:id="rId5"/>
+    <p:sldId id="260" r:id="rId6"/>
+    <p:sldId id="263" r:id="rId7"/>
+    <p:sldId id="261" r:id="rId8"/>
+    <p:sldId id="262" r:id="rId9"/>
   </p:sldIdLst>
   <p:sldSz cx="12192000" cy="6858000"/>
   <p:notesSz cx="6858000" cy="9144000"/>
@@ -110,7 +111,162 @@
       </a:defRPr>
     </a:lvl9pPr>
   </p:defaultTextStyle>
+  <p:extLst>
+    <p:ext uri="{EFAFB233-063F-42B5-8137-9DF3F51BA10A}">
+      <p15:sldGuideLst xmlns:p15="http://schemas.microsoft.com/office/powerpoint/2012/main"/>
+    </p:ext>
+  </p:extLst>
 </p:presentation>
+</file>
+
+<file path=ppt/changesInfos/changesInfo1.xml><?xml version="1.0" encoding="utf-8"?>
+<pc:chgInfo xmlns:a="http://schemas.openxmlformats.org/drawingml/2006/main" xmlns:r="http://schemas.openxmlformats.org/officeDocument/2006/relationships" xmlns:ac="http://schemas.microsoft.com/office/drawing/2013/main/command" xmlns:pc="http://schemas.microsoft.com/office/powerpoint/2013/main/command">
+  <pc:docChgLst>
+    <pc:chgData name="Sheikh Adib" userId="cc72b85b3cb90e54" providerId="LiveId" clId="{5EE8816F-C63B-4E5A-9B4B-48ED0129D9C9}"/>
+    <pc:docChg chg="custSel addSld modSld">
+      <pc:chgData name="Sheikh Adib" userId="cc72b85b3cb90e54" providerId="LiveId" clId="{5EE8816F-C63B-4E5A-9B4B-48ED0129D9C9}" dt="2022-12-14T16:22:57.370" v="678" actId="20577"/>
+      <pc:docMkLst>
+        <pc:docMk/>
+      </pc:docMkLst>
+      <pc:sldChg chg="modSp mod">
+        <pc:chgData name="Sheikh Adib" userId="cc72b85b3cb90e54" providerId="LiveId" clId="{5EE8816F-C63B-4E5A-9B4B-48ED0129D9C9}" dt="2022-12-14T16:12:12.242" v="220" actId="14"/>
+        <pc:sldMkLst>
+          <pc:docMk/>
+          <pc:sldMk cId="3911330738" sldId="258"/>
+        </pc:sldMkLst>
+        <pc:spChg chg="mod">
+          <ac:chgData name="Sheikh Adib" userId="cc72b85b3cb90e54" providerId="LiveId" clId="{5EE8816F-C63B-4E5A-9B4B-48ED0129D9C9}" dt="2022-12-14T16:12:12.242" v="220" actId="14"/>
+          <ac:spMkLst>
+            <pc:docMk/>
+            <pc:sldMk cId="3911330738" sldId="258"/>
+            <ac:spMk id="3" creationId="{659FC85E-12D4-1573-3E68-1B211B665B71}"/>
+          </ac:spMkLst>
+        </pc:spChg>
+      </pc:sldChg>
+      <pc:sldChg chg="modSp mod">
+        <pc:chgData name="Sheikh Adib" userId="cc72b85b3cb90e54" providerId="LiveId" clId="{5EE8816F-C63B-4E5A-9B4B-48ED0129D9C9}" dt="2022-12-14T16:10:55.587" v="103" actId="20577"/>
+        <pc:sldMkLst>
+          <pc:docMk/>
+          <pc:sldMk cId="812664551" sldId="259"/>
+        </pc:sldMkLst>
+        <pc:spChg chg="mod">
+          <ac:chgData name="Sheikh Adib" userId="cc72b85b3cb90e54" providerId="LiveId" clId="{5EE8816F-C63B-4E5A-9B4B-48ED0129D9C9}" dt="2022-12-14T16:10:55.587" v="103" actId="20577"/>
+          <ac:spMkLst>
+            <pc:docMk/>
+            <pc:sldMk cId="812664551" sldId="259"/>
+            <ac:spMk id="3" creationId="{AC505BFF-9150-1E4C-D19C-6B734F24F2A4}"/>
+          </ac:spMkLst>
+        </pc:spChg>
+      </pc:sldChg>
+      <pc:sldChg chg="modSp mod">
+        <pc:chgData name="Sheikh Adib" userId="cc72b85b3cb90e54" providerId="LiveId" clId="{5EE8816F-C63B-4E5A-9B4B-48ED0129D9C9}" dt="2022-12-14T16:19:23.919" v="558" actId="20577"/>
+        <pc:sldMkLst>
+          <pc:docMk/>
+          <pc:sldMk cId="2366847609" sldId="260"/>
+        </pc:sldMkLst>
+        <pc:spChg chg="mod">
+          <ac:chgData name="Sheikh Adib" userId="cc72b85b3cb90e54" providerId="LiveId" clId="{5EE8816F-C63B-4E5A-9B4B-48ED0129D9C9}" dt="2022-12-14T16:19:23.919" v="558" actId="20577"/>
+          <ac:spMkLst>
+            <pc:docMk/>
+            <pc:sldMk cId="2366847609" sldId="260"/>
+            <ac:spMk id="3" creationId="{B98DEE9F-5D34-2206-F30D-4751ED8E71A1}"/>
+          </ac:spMkLst>
+        </pc:spChg>
+      </pc:sldChg>
+      <pc:sldChg chg="modSp mod">
+        <pc:chgData name="Sheikh Adib" userId="cc72b85b3cb90e54" providerId="LiveId" clId="{5EE8816F-C63B-4E5A-9B4B-48ED0129D9C9}" dt="2022-12-14T16:22:16.704" v="629" actId="20577"/>
+        <pc:sldMkLst>
+          <pc:docMk/>
+          <pc:sldMk cId="1464031739" sldId="261"/>
+        </pc:sldMkLst>
+        <pc:spChg chg="mod">
+          <ac:chgData name="Sheikh Adib" userId="cc72b85b3cb90e54" providerId="LiveId" clId="{5EE8816F-C63B-4E5A-9B4B-48ED0129D9C9}" dt="2022-12-14T16:22:16.704" v="629" actId="20577"/>
+          <ac:spMkLst>
+            <pc:docMk/>
+            <pc:sldMk cId="1464031739" sldId="261"/>
+            <ac:spMk id="3" creationId="{7271919F-798A-6C43-3032-45EF42632530}"/>
+          </ac:spMkLst>
+        </pc:spChg>
+      </pc:sldChg>
+      <pc:sldChg chg="modSp mod">
+        <pc:chgData name="Sheikh Adib" userId="cc72b85b3cb90e54" providerId="LiveId" clId="{5EE8816F-C63B-4E5A-9B4B-48ED0129D9C9}" dt="2022-12-14T16:22:57.370" v="678" actId="20577"/>
+        <pc:sldMkLst>
+          <pc:docMk/>
+          <pc:sldMk cId="1788010667" sldId="262"/>
+        </pc:sldMkLst>
+        <pc:spChg chg="mod">
+          <ac:chgData name="Sheikh Adib" userId="cc72b85b3cb90e54" providerId="LiveId" clId="{5EE8816F-C63B-4E5A-9B4B-48ED0129D9C9}" dt="2022-12-14T16:22:57.370" v="678" actId="20577"/>
+          <ac:spMkLst>
+            <pc:docMk/>
+            <pc:sldMk cId="1788010667" sldId="262"/>
+            <ac:spMk id="3" creationId="{A117C7BE-DB7A-638C-9D77-B1DD27B222DD}"/>
+          </ac:spMkLst>
+        </pc:spChg>
+      </pc:sldChg>
+      <pc:sldChg chg="modSp mod">
+        <pc:chgData name="Sheikh Adib" userId="cc72b85b3cb90e54" providerId="LiveId" clId="{5EE8816F-C63B-4E5A-9B4B-48ED0129D9C9}" dt="2022-12-14T16:21:57.302" v="628" actId="20577"/>
+        <pc:sldMkLst>
+          <pc:docMk/>
+          <pc:sldMk cId="3371074697" sldId="263"/>
+        </pc:sldMkLst>
+        <pc:spChg chg="mod">
+          <ac:chgData name="Sheikh Adib" userId="cc72b85b3cb90e54" providerId="LiveId" clId="{5EE8816F-C63B-4E5A-9B4B-48ED0129D9C9}" dt="2022-12-14T16:21:57.302" v="628" actId="20577"/>
+          <ac:spMkLst>
+            <pc:docMk/>
+            <pc:sldMk cId="3371074697" sldId="263"/>
+            <ac:spMk id="3" creationId="{22C75762-6C8C-DBF1-3DAE-48284CF5BB7C}"/>
+          </ac:spMkLst>
+        </pc:spChg>
+      </pc:sldChg>
+      <pc:sldChg chg="modSp mod">
+        <pc:chgData name="Sheikh Adib" userId="cc72b85b3cb90e54" providerId="LiveId" clId="{5EE8816F-C63B-4E5A-9B4B-48ED0129D9C9}" dt="2022-12-14T16:12:40.753" v="246" actId="20577"/>
+        <pc:sldMkLst>
+          <pc:docMk/>
+          <pc:sldMk cId="2300740157" sldId="264"/>
+        </pc:sldMkLst>
+        <pc:spChg chg="mod">
+          <ac:chgData name="Sheikh Adib" userId="cc72b85b3cb90e54" providerId="LiveId" clId="{5EE8816F-C63B-4E5A-9B4B-48ED0129D9C9}" dt="2022-12-14T16:08:00.882" v="37" actId="20577"/>
+          <ac:spMkLst>
+            <pc:docMk/>
+            <pc:sldMk cId="2300740157" sldId="264"/>
+            <ac:spMk id="2" creationId="{AFD772C8-3EC9-681C-00EF-4E0BEAE98B50}"/>
+          </ac:spMkLst>
+        </pc:spChg>
+        <pc:spChg chg="mod">
+          <ac:chgData name="Sheikh Adib" userId="cc72b85b3cb90e54" providerId="LiveId" clId="{5EE8816F-C63B-4E5A-9B4B-48ED0129D9C9}" dt="2022-12-14T16:12:40.753" v="246" actId="20577"/>
+          <ac:spMkLst>
+            <pc:docMk/>
+            <pc:sldMk cId="2300740157" sldId="264"/>
+            <ac:spMk id="3" creationId="{A369B6FB-EC11-F9AA-AF4D-CB1B083580BB}"/>
+          </ac:spMkLst>
+        </pc:spChg>
+      </pc:sldChg>
+      <pc:sldChg chg="modSp new mod">
+        <pc:chgData name="Sheikh Adib" userId="cc72b85b3cb90e54" providerId="LiveId" clId="{5EE8816F-C63B-4E5A-9B4B-48ED0129D9C9}" dt="2022-12-14T16:07:55.419" v="33" actId="20577"/>
+        <pc:sldMkLst>
+          <pc:docMk/>
+          <pc:sldMk cId="2547900839" sldId="265"/>
+        </pc:sldMkLst>
+        <pc:spChg chg="mod">
+          <ac:chgData name="Sheikh Adib" userId="cc72b85b3cb90e54" providerId="LiveId" clId="{5EE8816F-C63B-4E5A-9B4B-48ED0129D9C9}" dt="2022-12-14T16:07:55.419" v="33" actId="20577"/>
+          <ac:spMkLst>
+            <pc:docMk/>
+            <pc:sldMk cId="2547900839" sldId="265"/>
+            <ac:spMk id="2" creationId="{0EF694EF-E4A8-66F0-0B62-0FEAF61778F7}"/>
+          </ac:spMkLst>
+        </pc:spChg>
+        <pc:spChg chg="mod">
+          <ac:chgData name="Sheikh Adib" userId="cc72b85b3cb90e54" providerId="LiveId" clId="{5EE8816F-C63B-4E5A-9B4B-48ED0129D9C9}" dt="2022-12-14T16:07:45.702" v="23"/>
+          <ac:spMkLst>
+            <pc:docMk/>
+            <pc:sldMk cId="2547900839" sldId="265"/>
+            <ac:spMk id="3" creationId="{30280870-9211-E2D8-4FFE-0FDEB55570EA}"/>
+          </ac:spMkLst>
+        </pc:spChg>
+      </pc:sldChg>
+    </pc:docChg>
+  </pc:docChgLst>
+</pc:chgInfo>
 </file>
 
 <file path=ppt/slideLayouts/slideLayout1.xml><?xml version="1.0" encoding="utf-8"?>
@@ -260,7 +416,7 @@
           <a:p>
             <a:fld id="{327B4D66-8989-46ED-9588-0E7B93E1F1F0}" type="datetimeFigureOut">
               <a:rPr lang="en-US" smtClean="0"/>
-              <a:t>12/11/2022</a:t>
+              <a:t>12/14/2022</a:t>
             </a:fld>
             <a:endParaRPr lang="en-US"/>
           </a:p>
@@ -458,7 +614,7 @@
           <a:p>
             <a:fld id="{327B4D66-8989-46ED-9588-0E7B93E1F1F0}" type="datetimeFigureOut">
               <a:rPr lang="en-US" smtClean="0"/>
-              <a:t>12/11/2022</a:t>
+              <a:t>12/14/2022</a:t>
             </a:fld>
             <a:endParaRPr lang="en-US"/>
           </a:p>
@@ -666,7 +822,7 @@
           <a:p>
             <a:fld id="{327B4D66-8989-46ED-9588-0E7B93E1F1F0}" type="datetimeFigureOut">
               <a:rPr lang="en-US" smtClean="0"/>
-              <a:t>12/11/2022</a:t>
+              <a:t>12/14/2022</a:t>
             </a:fld>
             <a:endParaRPr lang="en-US"/>
           </a:p>
@@ -864,7 +1020,7 @@
           <a:p>
             <a:fld id="{327B4D66-8989-46ED-9588-0E7B93E1F1F0}" type="datetimeFigureOut">
               <a:rPr lang="en-US" smtClean="0"/>
-              <a:t>12/11/2022</a:t>
+              <a:t>12/14/2022</a:t>
             </a:fld>
             <a:endParaRPr lang="en-US"/>
           </a:p>
@@ -1139,7 +1295,7 @@
           <a:p>
             <a:fld id="{327B4D66-8989-46ED-9588-0E7B93E1F1F0}" type="datetimeFigureOut">
               <a:rPr lang="en-US" smtClean="0"/>
-              <a:t>12/11/2022</a:t>
+              <a:t>12/14/2022</a:t>
             </a:fld>
             <a:endParaRPr lang="en-US"/>
           </a:p>
@@ -1404,7 +1560,7 @@
           <a:p>
             <a:fld id="{327B4D66-8989-46ED-9588-0E7B93E1F1F0}" type="datetimeFigureOut">
               <a:rPr lang="en-US" smtClean="0"/>
-              <a:t>12/11/2022</a:t>
+              <a:t>12/14/2022</a:t>
             </a:fld>
             <a:endParaRPr lang="en-US"/>
           </a:p>
@@ -1816,7 +1972,7 @@
           <a:p>
             <a:fld id="{327B4D66-8989-46ED-9588-0E7B93E1F1F0}" type="datetimeFigureOut">
               <a:rPr lang="en-US" smtClean="0"/>
-              <a:t>12/11/2022</a:t>
+              <a:t>12/14/2022</a:t>
             </a:fld>
             <a:endParaRPr lang="en-US"/>
           </a:p>
@@ -1957,7 +2113,7 @@
           <a:p>
             <a:fld id="{327B4D66-8989-46ED-9588-0E7B93E1F1F0}" type="datetimeFigureOut">
               <a:rPr lang="en-US" smtClean="0"/>
-              <a:t>12/11/2022</a:t>
+              <a:t>12/14/2022</a:t>
             </a:fld>
             <a:endParaRPr lang="en-US"/>
           </a:p>
@@ -2070,7 +2226,7 @@
           <a:p>
             <a:fld id="{327B4D66-8989-46ED-9588-0E7B93E1F1F0}" type="datetimeFigureOut">
               <a:rPr lang="en-US" smtClean="0"/>
-              <a:t>12/11/2022</a:t>
+              <a:t>12/14/2022</a:t>
             </a:fld>
             <a:endParaRPr lang="en-US"/>
           </a:p>
@@ -2381,7 +2537,7 @@
           <a:p>
             <a:fld id="{327B4D66-8989-46ED-9588-0E7B93E1F1F0}" type="datetimeFigureOut">
               <a:rPr lang="en-US" smtClean="0"/>
-              <a:t>12/11/2022</a:t>
+              <a:t>12/14/2022</a:t>
             </a:fld>
             <a:endParaRPr lang="en-US"/>
           </a:p>
@@ -2669,7 +2825,7 @@
           <a:p>
             <a:fld id="{327B4D66-8989-46ED-9588-0E7B93E1F1F0}" type="datetimeFigureOut">
               <a:rPr lang="en-US" smtClean="0"/>
-              <a:t>12/11/2022</a:t>
+              <a:t>12/14/2022</a:t>
             </a:fld>
             <a:endParaRPr lang="en-US"/>
           </a:p>
@@ -2910,7 +3066,7 @@
           <a:p>
             <a:fld id="{327B4D66-8989-46ED-9588-0E7B93E1F1F0}" type="datetimeFigureOut">
               <a:rPr lang="en-US" smtClean="0"/>
-              <a:t>12/11/2022</a:t>
+              <a:t>12/14/2022</a:t>
             </a:fld>
             <a:endParaRPr lang="en-US"/>
           </a:p>
@@ -3385,6 +3541,37 @@
               <a:rPr lang="en-MY" dirty="0"/>
               <a:t>Goals</a:t>
             </a:r>
+          </a:p>
+          <a:p>
+            <a:pPr lvl="1"/>
+            <a:r>
+              <a:rPr lang="en-MY" dirty="0"/>
+              <a:t>Smart farming</a:t>
+            </a:r>
+          </a:p>
+          <a:p>
+            <a:pPr lvl="2"/>
+            <a:r>
+              <a:rPr lang="en-MY" dirty="0"/>
+              <a:t>Build model to detect weed on sugar beet field</a:t>
+            </a:r>
+          </a:p>
+          <a:p>
+            <a:pPr lvl="2"/>
+            <a:r>
+              <a:rPr lang="en-MY" dirty="0"/>
+              <a:t>Model high accuracy</a:t>
+            </a:r>
+          </a:p>
+          <a:p>
+            <a:pPr lvl="2"/>
+            <a:endParaRPr lang="en-MY" dirty="0"/>
+          </a:p>
+          <a:p>
+            <a:r>
+              <a:rPr lang="en-MY" dirty="0"/>
+              <a:t>Requirements</a:t>
+            </a:r>
             <a:endParaRPr lang="en-US" dirty="0"/>
           </a:p>
         </p:txBody>
@@ -3475,13 +3662,7 @@
           <a:p>
             <a:r>
               <a:rPr lang="en-MY" dirty="0"/>
-              <a:t>Use case</a:t>
-            </a:r>
-          </a:p>
-          <a:p>
-            <a:r>
-              <a:rPr lang="en-MY" dirty="0"/>
-              <a:t>Architecture</a:t>
+              <a:t>Use case (systems)</a:t>
             </a:r>
           </a:p>
           <a:p>
@@ -3524,7 +3705,7 @@
           <p:cNvPr id="2" name="Title 1">
             <a:extLst>
               <a:ext uri="{FF2B5EF4-FFF2-40B4-BE49-F238E27FC236}">
-                <a16:creationId xmlns:a16="http://schemas.microsoft.com/office/drawing/2014/main" id="{AFD772C8-3EC9-681C-00EF-4E0BEAE98B50}"/>
+                <a16:creationId xmlns:a16="http://schemas.microsoft.com/office/drawing/2014/main" id="{0EF694EF-E4A8-66F0-0B62-0FEAF61778F7}"/>
               </a:ext>
             </a:extLst>
           </p:cNvPr>
@@ -3542,7 +3723,7 @@
           <a:p>
             <a:r>
               <a:rPr lang="en-MY" dirty="0"/>
-              <a:t>Design 2 </a:t>
+              <a:t>Design 1 </a:t>
             </a:r>
             <a:r>
               <a:rPr lang="en-MY" dirty="0" err="1"/>
@@ -3557,7 +3738,7 @@
           <p:cNvPr id="3" name="Content Placeholder 2">
             <a:extLst>
               <a:ext uri="{FF2B5EF4-FFF2-40B4-BE49-F238E27FC236}">
-                <a16:creationId xmlns:a16="http://schemas.microsoft.com/office/drawing/2014/main" id="{A369B6FB-EC11-F9AA-AF4D-CB1B083580BB}"/>
+                <a16:creationId xmlns:a16="http://schemas.microsoft.com/office/drawing/2014/main" id="{30280870-9211-E2D8-4FFE-0FDEB55570EA}"/>
               </a:ext>
             </a:extLst>
           </p:cNvPr>
@@ -3574,10 +3755,9 @@
           <a:lstStyle/>
           <a:p>
             <a:r>
-              <a:rPr lang="en-MY" dirty="0" err="1"/>
-              <a:t>Tappal</a:t>
-            </a:r>
-            <a:endParaRPr lang="en-MY" dirty="0"/>
+              <a:rPr lang="en-MY" dirty="0"/>
+              <a:t>Architecture</a:t>
+            </a:r>
           </a:p>
           <a:p>
             <a:endParaRPr lang="en-US" dirty="0"/>
@@ -3587,7 +3767,7 @@
     </p:spTree>
     <p:extLst>
       <p:ext uri="{BB962C8B-B14F-4D97-AF65-F5344CB8AC3E}">
-        <p14:creationId xmlns:p14="http://schemas.microsoft.com/office/powerpoint/2010/main" val="2300740157"/>
+        <p14:creationId xmlns:p14="http://schemas.microsoft.com/office/powerpoint/2010/main" val="2547900839"/>
       </p:ext>
     </p:extLst>
   </p:cSld>
@@ -3619,7 +3799,7 @@
           <p:cNvPr id="2" name="Title 1">
             <a:extLst>
               <a:ext uri="{FF2B5EF4-FFF2-40B4-BE49-F238E27FC236}">
-                <a16:creationId xmlns:a16="http://schemas.microsoft.com/office/drawing/2014/main" id="{B0691122-3E61-B8B3-9A9C-80792D9C530B}"/>
+                <a16:creationId xmlns:a16="http://schemas.microsoft.com/office/drawing/2014/main" id="{AFD772C8-3EC9-681C-00EF-4E0BEAE98B50}"/>
               </a:ext>
             </a:extLst>
           </p:cNvPr>
@@ -3637,7 +3817,11 @@
           <a:p>
             <a:r>
               <a:rPr lang="en-MY" dirty="0"/>
-              <a:t>Implementation 2 sheikh</a:t>
+              <a:t>Design 1 </a:t>
+            </a:r>
+            <a:r>
+              <a:rPr lang="en-MY" dirty="0" err="1"/>
+              <a:t>kimi</a:t>
             </a:r>
             <a:endParaRPr lang="en-US" dirty="0"/>
           </a:p>
@@ -3648,7 +3832,7 @@
           <p:cNvPr id="3" name="Content Placeholder 2">
             <a:extLst>
               <a:ext uri="{FF2B5EF4-FFF2-40B4-BE49-F238E27FC236}">
-                <a16:creationId xmlns:a16="http://schemas.microsoft.com/office/drawing/2014/main" id="{B98DEE9F-5D34-2206-F30D-4751ED8E71A1}"/>
+                <a16:creationId xmlns:a16="http://schemas.microsoft.com/office/drawing/2014/main" id="{A369B6FB-EC11-F9AA-AF4D-CB1B083580BB}"/>
               </a:ext>
             </a:extLst>
           </p:cNvPr>
@@ -3665,18 +3849,24 @@
           <a:lstStyle/>
           <a:p>
             <a:r>
+              <a:rPr lang="en-MY" dirty="0" err="1"/>
+              <a:t>Tappal</a:t>
+            </a:r>
+            <a:endParaRPr lang="en-MY" dirty="0"/>
+          </a:p>
+          <a:p>
+            <a:pPr lvl="1"/>
+            <a:r>
               <a:rPr lang="en-MY" dirty="0"/>
-              <a:t>Data</a:t>
-            </a:r>
-          </a:p>
-          <a:p>
+              <a:t>Simulation</a:t>
+            </a:r>
+          </a:p>
+          <a:p>
+            <a:pPr lvl="1"/>
             <a:r>
               <a:rPr lang="en-MY" dirty="0"/>
-              <a:t>Model( include comparison)</a:t>
-            </a:r>
-          </a:p>
-          <a:p>
-            <a:endParaRPr lang="en-MY" dirty="0"/>
+              <a:t>verification</a:t>
+            </a:r>
           </a:p>
           <a:p>
             <a:endParaRPr lang="en-US" dirty="0"/>
@@ -3686,7 +3876,7 @@
     </p:spTree>
     <p:extLst>
       <p:ext uri="{BB962C8B-B14F-4D97-AF65-F5344CB8AC3E}">
-        <p14:creationId xmlns:p14="http://schemas.microsoft.com/office/powerpoint/2010/main" val="2366847609"/>
+        <p14:creationId xmlns:p14="http://schemas.microsoft.com/office/powerpoint/2010/main" val="2300740157"/>
       </p:ext>
     </p:extLst>
   </p:cSld>
@@ -3718,7 +3908,7 @@
           <p:cNvPr id="2" name="Title 1">
             <a:extLst>
               <a:ext uri="{FF2B5EF4-FFF2-40B4-BE49-F238E27FC236}">
-                <a16:creationId xmlns:a16="http://schemas.microsoft.com/office/drawing/2014/main" id="{8E061CEC-822C-E94C-ED8D-83685E2FFEB3}"/>
+                <a16:creationId xmlns:a16="http://schemas.microsoft.com/office/drawing/2014/main" id="{B0691122-3E61-B8B3-9A9C-80792D9C530B}"/>
               </a:ext>
             </a:extLst>
           </p:cNvPr>
@@ -3736,51 +3926,166 @@
           <a:p>
             <a:r>
               <a:rPr lang="en-MY" dirty="0"/>
-              <a:t>Implementation 2 </a:t>
-            </a:r>
-            <a:r>
-              <a:rPr lang="en-MY" dirty="0" err="1"/>
-              <a:t>ammar</a:t>
-            </a:r>
+              <a:t>Implementation 2 sheikh</a:t>
+            </a:r>
+            <a:endParaRPr lang="en-US" dirty="0"/>
+          </a:p>
+        </p:txBody>
+      </p:sp>
+      <p:sp>
+        <p:nvSpPr>
+          <p:cNvPr id="3" name="Content Placeholder 2">
+            <a:extLst>
+              <a:ext uri="{FF2B5EF4-FFF2-40B4-BE49-F238E27FC236}">
+                <a16:creationId xmlns:a16="http://schemas.microsoft.com/office/drawing/2014/main" id="{B98DEE9F-5D34-2206-F30D-4751ED8E71A1}"/>
+              </a:ext>
+            </a:extLst>
+          </p:cNvPr>
+          <p:cNvSpPr>
+            <a:spLocks noGrp="1"/>
+          </p:cNvSpPr>
+          <p:nvPr>
+            <p:ph idx="1"/>
+          </p:nvPr>
+        </p:nvSpPr>
+        <p:spPr/>
+        <p:txBody>
+          <a:bodyPr>
+            <a:normAutofit fontScale="70000" lnSpcReduction="20000"/>
+          </a:bodyPr>
+          <a:lstStyle/>
+          <a:p>
             <a:r>
               <a:rPr lang="en-MY" dirty="0"/>
-              <a:t> </a:t>
-            </a:r>
-            <a:endParaRPr lang="en-US" dirty="0"/>
-          </a:p>
-        </p:txBody>
-      </p:sp>
-      <p:sp>
-        <p:nvSpPr>
-          <p:cNvPr id="3" name="Content Placeholder 2">
-            <a:extLst>
-              <a:ext uri="{FF2B5EF4-FFF2-40B4-BE49-F238E27FC236}">
-                <a16:creationId xmlns:a16="http://schemas.microsoft.com/office/drawing/2014/main" id="{22C75762-6C8C-DBF1-3DAE-48284CF5BB7C}"/>
-              </a:ext>
-            </a:extLst>
-          </p:cNvPr>
-          <p:cNvSpPr>
-            <a:spLocks noGrp="1"/>
-          </p:cNvSpPr>
-          <p:nvPr>
-            <p:ph idx="1"/>
-          </p:nvPr>
-        </p:nvSpPr>
-        <p:spPr/>
-        <p:txBody>
-          <a:bodyPr/>
-          <a:lstStyle/>
-          <a:p>
+              <a:t>Data</a:t>
+            </a:r>
+          </a:p>
+          <a:p>
+            <a:pPr lvl="1"/>
             <a:r>
               <a:rPr lang="en-MY" dirty="0"/>
-              <a:t>Create field and drone</a:t>
-            </a:r>
-          </a:p>
-          <a:p>
+              <a:t>Data collection</a:t>
+            </a:r>
+          </a:p>
+          <a:p>
+            <a:pPr lvl="2"/>
             <a:r>
               <a:rPr lang="en-MY" dirty="0"/>
-              <a:t>Works on field </a:t>
-            </a:r>
+              <a:t>sources</a:t>
+            </a:r>
+          </a:p>
+          <a:p>
+            <a:pPr lvl="1"/>
+            <a:r>
+              <a:rPr lang="en-MY" dirty="0"/>
+              <a:t>Classes</a:t>
+            </a:r>
+          </a:p>
+          <a:p>
+            <a:pPr lvl="2"/>
+            <a:r>
+              <a:rPr lang="en-MY" dirty="0"/>
+              <a:t>121</a:t>
+            </a:r>
+          </a:p>
+          <a:p>
+            <a:pPr lvl="1"/>
+            <a:r>
+              <a:rPr lang="en-MY" dirty="0"/>
+              <a:t>Data distribution</a:t>
+            </a:r>
+          </a:p>
+          <a:p>
+            <a:pPr lvl="2"/>
+            <a:r>
+              <a:rPr lang="en-MY" dirty="0"/>
+              <a:t>Data loader	</a:t>
+            </a:r>
+          </a:p>
+          <a:p>
+            <a:pPr lvl="1"/>
+            <a:endParaRPr lang="en-MY" dirty="0"/>
+          </a:p>
+          <a:p>
+            <a:r>
+              <a:rPr lang="en-MY" dirty="0"/>
+              <a:t>Model( include comparison/training)</a:t>
+            </a:r>
+          </a:p>
+          <a:p>
+            <a:pPr lvl="1"/>
+            <a:r>
+              <a:rPr lang="en-MY" dirty="0"/>
+              <a:t>Trained model</a:t>
+            </a:r>
+          </a:p>
+          <a:p>
+            <a:pPr lvl="2"/>
+            <a:r>
+              <a:rPr lang="en-MY" dirty="0"/>
+              <a:t>Vgg19_bn</a:t>
+            </a:r>
+          </a:p>
+          <a:p>
+            <a:pPr lvl="2"/>
+            <a:r>
+              <a:rPr lang="en-MY" dirty="0"/>
+              <a:t>Etc</a:t>
+            </a:r>
+          </a:p>
+          <a:p>
+            <a:pPr lvl="1"/>
+            <a:r>
+              <a:rPr lang="en-MY" dirty="0"/>
+              <a:t>Optimization</a:t>
+            </a:r>
+          </a:p>
+          <a:p>
+            <a:pPr lvl="2"/>
+            <a:r>
+              <a:rPr lang="en-MY" dirty="0"/>
+              <a:t>Epoch 5, 10, (7)</a:t>
+            </a:r>
+          </a:p>
+          <a:p>
+            <a:pPr lvl="2"/>
+            <a:r>
+              <a:rPr lang="en-MY" dirty="0"/>
+              <a:t>Learning rate</a:t>
+            </a:r>
+          </a:p>
+          <a:p>
+            <a:pPr lvl="2"/>
+            <a:endParaRPr lang="en-MY" dirty="0"/>
+          </a:p>
+          <a:p>
+            <a:pPr lvl="1"/>
+            <a:r>
+              <a:rPr lang="en-MY" dirty="0"/>
+              <a:t>Selected model</a:t>
+            </a:r>
+          </a:p>
+          <a:p>
+            <a:pPr lvl="2"/>
+            <a:r>
+              <a:rPr lang="en-MY" dirty="0"/>
+              <a:t>Vgg19_bn</a:t>
+            </a:r>
+          </a:p>
+          <a:p>
+            <a:pPr lvl="2"/>
+            <a:endParaRPr lang="en-MY" dirty="0"/>
+          </a:p>
+          <a:p>
+            <a:pPr lvl="2"/>
+            <a:endParaRPr lang="en-MY" dirty="0"/>
+          </a:p>
+          <a:p>
+            <a:pPr lvl="1"/>
+            <a:endParaRPr lang="en-MY" dirty="0"/>
+          </a:p>
+          <a:p>
+            <a:endParaRPr lang="en-MY" dirty="0"/>
           </a:p>
           <a:p>
             <a:endParaRPr lang="en-US" dirty="0"/>
@@ -3790,7 +4095,7 @@
     </p:spTree>
     <p:extLst>
       <p:ext uri="{BB962C8B-B14F-4D97-AF65-F5344CB8AC3E}">
-        <p14:creationId xmlns:p14="http://schemas.microsoft.com/office/powerpoint/2010/main" val="3371074697"/>
+        <p14:creationId xmlns:p14="http://schemas.microsoft.com/office/powerpoint/2010/main" val="2366847609"/>
       </p:ext>
     </p:extLst>
   </p:cSld>
@@ -3822,7 +4127,7 @@
           <p:cNvPr id="2" name="Title 1">
             <a:extLst>
               <a:ext uri="{FF2B5EF4-FFF2-40B4-BE49-F238E27FC236}">
-                <a16:creationId xmlns:a16="http://schemas.microsoft.com/office/drawing/2014/main" id="{B40399B0-93A1-DCBF-6E53-7EDE731C41BF}"/>
+                <a16:creationId xmlns:a16="http://schemas.microsoft.com/office/drawing/2014/main" id="{8E061CEC-822C-E94C-ED8D-83685E2FFEB3}"/>
               </a:ext>
             </a:extLst>
           </p:cNvPr>
@@ -3840,11 +4145,15 @@
           <a:p>
             <a:r>
               <a:rPr lang="en-MY" dirty="0"/>
-              <a:t>Evaluation 1 </a:t>
+              <a:t>Implementation 2 </a:t>
             </a:r>
             <a:r>
               <a:rPr lang="en-MY" dirty="0" err="1"/>
-              <a:t>abis</a:t>
+              <a:t>ammar</a:t>
+            </a:r>
+            <a:r>
+              <a:rPr lang="en-MY" dirty="0"/>
+              <a:t> </a:t>
             </a:r>
             <a:endParaRPr lang="en-US" dirty="0"/>
           </a:p>
@@ -3855,7 +4164,7 @@
           <p:cNvPr id="3" name="Content Placeholder 2">
             <a:extLst>
               <a:ext uri="{FF2B5EF4-FFF2-40B4-BE49-F238E27FC236}">
-                <a16:creationId xmlns:a16="http://schemas.microsoft.com/office/drawing/2014/main" id="{7271919F-798A-6C43-3032-45EF42632530}"/>
+                <a16:creationId xmlns:a16="http://schemas.microsoft.com/office/drawing/2014/main" id="{22C75762-6C8C-DBF1-3DAE-48284CF5BB7C}"/>
               </a:ext>
             </a:extLst>
           </p:cNvPr>
@@ -3873,8 +4182,88 @@
           <a:p>
             <a:r>
               <a:rPr lang="en-MY" dirty="0"/>
-              <a:t>Result on field</a:t>
-            </a:r>
+              <a:t>Simulation</a:t>
+            </a:r>
+          </a:p>
+          <a:p>
+            <a:pPr lvl="1"/>
+            <a:r>
+              <a:rPr lang="en-MY" dirty="0"/>
+              <a:t>Create field </a:t>
+            </a:r>
+          </a:p>
+          <a:p>
+            <a:pPr lvl="2"/>
+            <a:r>
+              <a:rPr lang="en-MY" dirty="0"/>
+              <a:t>Data (random, array)</a:t>
+            </a:r>
+          </a:p>
+          <a:p>
+            <a:pPr lvl="1"/>
+            <a:r>
+              <a:rPr lang="en-MY" dirty="0"/>
+              <a:t>Drone</a:t>
+            </a:r>
+          </a:p>
+          <a:p>
+            <a:pPr lvl="2"/>
+            <a:r>
+              <a:rPr lang="en-MY" dirty="0"/>
+              <a:t>movements</a:t>
+            </a:r>
+          </a:p>
+          <a:p>
+            <a:pPr lvl="2"/>
+            <a:r>
+              <a:rPr lang="en-MY" dirty="0"/>
+              <a:t>Task</a:t>
+            </a:r>
+          </a:p>
+          <a:p>
+            <a:pPr lvl="3"/>
+            <a:r>
+              <a:rPr lang="en-MY" dirty="0"/>
+              <a:t>Inference(detect weed)</a:t>
+            </a:r>
+          </a:p>
+          <a:p>
+            <a:pPr lvl="1"/>
+            <a:r>
+              <a:rPr lang="en-MY" dirty="0"/>
+              <a:t>Collect weed</a:t>
+            </a:r>
+          </a:p>
+          <a:p>
+            <a:pPr lvl="2"/>
+            <a:r>
+              <a:rPr lang="en-MY" dirty="0"/>
+              <a:t>Compiled in master list</a:t>
+            </a:r>
+          </a:p>
+          <a:p>
+            <a:pPr marL="1371600" lvl="3" indent="0">
+              <a:buNone/>
+            </a:pPr>
+            <a:endParaRPr lang="en-MY" dirty="0"/>
+          </a:p>
+          <a:p>
+            <a:pPr lvl="2"/>
+            <a:endParaRPr lang="en-MY" dirty="0"/>
+          </a:p>
+          <a:p>
+            <a:pPr lvl="1"/>
+            <a:endParaRPr lang="en-MY" dirty="0"/>
+          </a:p>
+          <a:p>
+            <a:pPr lvl="1"/>
+            <a:endParaRPr lang="en-MY" dirty="0"/>
+          </a:p>
+          <a:p>
+            <a:pPr lvl="1"/>
+            <a:endParaRPr lang="en-MY" dirty="0"/>
+          </a:p>
+          <a:p>
             <a:endParaRPr lang="en-US" dirty="0"/>
           </a:p>
         </p:txBody>
@@ -3882,7 +4271,7 @@
     </p:spTree>
     <p:extLst>
       <p:ext uri="{BB962C8B-B14F-4D97-AF65-F5344CB8AC3E}">
-        <p14:creationId xmlns:p14="http://schemas.microsoft.com/office/powerpoint/2010/main" val="1464031739"/>
+        <p14:creationId xmlns:p14="http://schemas.microsoft.com/office/powerpoint/2010/main" val="3371074697"/>
       </p:ext>
     </p:extLst>
   </p:cSld>
@@ -3914,6 +4303,104 @@
           <p:cNvPr id="2" name="Title 1">
             <a:extLst>
               <a:ext uri="{FF2B5EF4-FFF2-40B4-BE49-F238E27FC236}">
+                <a16:creationId xmlns:a16="http://schemas.microsoft.com/office/drawing/2014/main" id="{B40399B0-93A1-DCBF-6E53-7EDE731C41BF}"/>
+              </a:ext>
+            </a:extLst>
+          </p:cNvPr>
+          <p:cNvSpPr>
+            <a:spLocks noGrp="1"/>
+          </p:cNvSpPr>
+          <p:nvPr>
+            <p:ph type="title"/>
+          </p:nvPr>
+        </p:nvSpPr>
+        <p:spPr/>
+        <p:txBody>
+          <a:bodyPr/>
+          <a:lstStyle/>
+          <a:p>
+            <a:r>
+              <a:rPr lang="en-MY" dirty="0"/>
+              <a:t>Evaluation 1 </a:t>
+            </a:r>
+            <a:r>
+              <a:rPr lang="en-MY" dirty="0" err="1"/>
+              <a:t>abis</a:t>
+            </a:r>
+            <a:endParaRPr lang="en-US" dirty="0"/>
+          </a:p>
+        </p:txBody>
+      </p:sp>
+      <p:sp>
+        <p:nvSpPr>
+          <p:cNvPr id="3" name="Content Placeholder 2">
+            <a:extLst>
+              <a:ext uri="{FF2B5EF4-FFF2-40B4-BE49-F238E27FC236}">
+                <a16:creationId xmlns:a16="http://schemas.microsoft.com/office/drawing/2014/main" id="{7271919F-798A-6C43-3032-45EF42632530}"/>
+              </a:ext>
+            </a:extLst>
+          </p:cNvPr>
+          <p:cNvSpPr>
+            <a:spLocks noGrp="1"/>
+          </p:cNvSpPr>
+          <p:nvPr>
+            <p:ph idx="1"/>
+          </p:nvPr>
+        </p:nvSpPr>
+        <p:spPr/>
+        <p:txBody>
+          <a:bodyPr/>
+          <a:lstStyle/>
+          <a:p>
+            <a:r>
+              <a:rPr lang="en-MY" dirty="0"/>
+              <a:t>Result on field ( include comparison/simulation)</a:t>
+            </a:r>
+          </a:p>
+          <a:p>
+            <a:endParaRPr lang="en-MY" dirty="0"/>
+          </a:p>
+          <a:p>
+            <a:pPr lvl="1"/>
+            <a:endParaRPr lang="en-US" dirty="0"/>
+          </a:p>
+        </p:txBody>
+      </p:sp>
+    </p:spTree>
+    <p:extLst>
+      <p:ext uri="{BB962C8B-B14F-4D97-AF65-F5344CB8AC3E}">
+        <p14:creationId xmlns:p14="http://schemas.microsoft.com/office/powerpoint/2010/main" val="1464031739"/>
+      </p:ext>
+    </p:extLst>
+  </p:cSld>
+  <p:clrMapOvr>
+    <a:masterClrMapping/>
+  </p:clrMapOvr>
+</p:sld>
+</file>
+
+<file path=ppt/slides/slide8.xml><?xml version="1.0" encoding="utf-8"?>
+<p:sld xmlns:a="http://schemas.openxmlformats.org/drawingml/2006/main" xmlns:r="http://schemas.openxmlformats.org/officeDocument/2006/relationships" xmlns:p="http://schemas.openxmlformats.org/presentationml/2006/main">
+  <p:cSld>
+    <p:spTree>
+      <p:nvGrpSpPr>
+        <p:cNvPr id="1" name=""/>
+        <p:cNvGrpSpPr/>
+        <p:nvPr/>
+      </p:nvGrpSpPr>
+      <p:grpSpPr>
+        <a:xfrm>
+          <a:off x="0" y="0"/>
+          <a:ext cx="0" cy="0"/>
+          <a:chOff x="0" y="0"/>
+          <a:chExt cx="0" cy="0"/>
+        </a:xfrm>
+      </p:grpSpPr>
+      <p:sp>
+        <p:nvSpPr>
+          <p:cNvPr id="2" name="Title 1">
+            <a:extLst>
+              <a:ext uri="{FF2B5EF4-FFF2-40B4-BE49-F238E27FC236}">
                 <a16:creationId xmlns:a16="http://schemas.microsoft.com/office/drawing/2014/main" id="{BCBC632A-E20F-99E0-9960-74248CC06159}"/>
               </a:ext>
             </a:extLst>
@@ -3963,7 +4450,28 @@
           <a:bodyPr/>
           <a:lstStyle/>
           <a:p>
-            <a:endParaRPr lang="en-US" dirty="0"/>
+            <a:r>
+              <a:rPr lang="en-MY" dirty="0"/>
+              <a:t>DL</a:t>
+            </a:r>
+          </a:p>
+          <a:p>
+            <a:r>
+              <a:rPr lang="en-MY" dirty="0"/>
+              <a:t>Smart farming</a:t>
+            </a:r>
+          </a:p>
+          <a:p>
+            <a:r>
+              <a:rPr lang="en-US" dirty="0"/>
+              <a:t>Proposed algorithm</a:t>
+            </a:r>
+          </a:p>
+          <a:p>
+            <a:r>
+              <a:rPr lang="en-US" dirty="0"/>
+              <a:t>Accuracy</a:t>
+            </a:r>
           </a:p>
         </p:txBody>
       </p:sp>
